--- a/guides/project_discussion_guidelines.pptx
+++ b/guides/project_discussion_guidelines.pptx
@@ -204,7 +204,7 @@
           <a:p>
             <a:fld id="{81C4B3FE-0320-8142-8396-5C3025C019EC}" type="datetimeFigureOut">
               <a:rPr lang="en-IT" smtClean="0"/>
-              <a:t>19/05/22</a:t>
+              <a:t>15/11/22</a:t>
             </a:fld>
             <a:endParaRPr lang="en-IT"/>
           </a:p>
@@ -1865,7 +1865,7 @@
             </a:pPr>
             <a:r>
               <a:rPr lang="it-IT" sz="2800" dirty="0"/>
-              <a:t>A.Y. 2021-2022</a:t>
+              <a:t>A.Y. 2022-2023</a:t>
             </a:r>
           </a:p>
         </p:txBody>
@@ -3419,11 +3419,11 @@
             </a:r>
             <a:r>
               <a:rPr lang="en-GB" b="1" dirty="0"/>
-              <a:t>30 minutes max </a:t>
+              <a:t>25 minutes max </a:t>
             </a:r>
             <a:r>
               <a:rPr lang="en-GB" dirty="0"/>
-              <a:t>to present your project followed by ~15 min of Q&amp;A. Discussions of more than 30 minutes will be penalized. </a:t>
+              <a:t>to present your project followed by ~20 min of Q&amp;A. Discussions of more than 25 minutes will be penalized. </a:t>
             </a:r>
           </a:p>
           <a:p>
@@ -3432,7 +3432,7 @@
           <a:p>
             <a:r>
               <a:rPr lang="en-GB" dirty="0"/>
-              <a:t>The presentation must include a PowerPoint presentation followed by a live demonstration of your app working. Both the presentation and the demo must fit the 30 minutes.</a:t>
+              <a:t>The presentation must include a PowerPoint presentation followed by a live demonstration of your app working. Both the presentation and the demo must fit the 25 minutes.</a:t>
             </a:r>
           </a:p>
           <a:p>
@@ -4029,7 +4029,7 @@
           <a:p>
             <a:r>
               <a:rPr lang="en-GB" dirty="0"/>
-              <a:t>Consider to allocate around 20 minutes for the PowerPoint presentation and 10 minutes for the live demo.</a:t>
+              <a:t>Consider to allocate around 15 minutes for the PowerPoint presentation and 10 minutes for the live demo.</a:t>
             </a:r>
           </a:p>
           <a:p>
